--- a/kpi/Test Automation_20200219_2.pptx
+++ b/kpi/Test Automation_20200219_2.pptx
@@ -1193,211 +1193,26 @@
           <a:bodyPr/>
           <a:lstStyle/>
           <a:p>
-            <a:pPr marL="0" marR="0" indent="0" algn="l" defTabSz="914400" rtl="0" eaLnBrk="0" fontAlgn="base" latinLnBrk="0" hangingPunct="0">
-              <a:lnSpc>
-                <a:spcPct val="100000"/>
-              </a:lnSpc>
-              <a:spcBef>
-                <a:spcPct val="30000"/>
-              </a:spcBef>
-              <a:spcAft>
-                <a:spcPct val="0"/>
-              </a:spcAft>
-              <a:buClrTx/>
-              <a:buSzTx/>
-              <a:buFontTx/>
-              <a:buNone/>
-              <a:tabLst/>
-              <a:defRPr/>
-            </a:pPr>
             <a:r>
               <a:rPr lang="zh-TW" altLang="en-US" dirty="0" smtClean="0"/>
-              <a:t>解決方案</a:t>
+              <a:t>改善</a:t>
             </a:r>
             <a:endParaRPr lang="en-US" altLang="zh-TW" dirty="0" smtClean="0"/>
           </a:p>
           <a:p>
             <a:r>
               <a:rPr lang="zh-TW" altLang="en-US" dirty="0" smtClean="0"/>
-              <a:t>長時間壓力下且能完成飛航模式開關的穩定性</a:t>
-            </a:r>
-          </a:p>
-          <a:p>
+              <a:t>長</a:t>
+            </a:r>
             <a:r>
               <a:rPr lang="zh-TW" altLang="en-US" dirty="0" smtClean="0"/>
-              <a:t>大致區分為以下五種：</a:t>
-            </a:r>
-          </a:p>
-          <a:p>
+              <a:t>時間壓力下且能完成飛航模式開關</a:t>
+            </a:r>
             <a:r>
               <a:rPr lang="zh-TW" altLang="en-US" dirty="0" smtClean="0"/>
-              <a:t>透過 </a:t>
-            </a:r>
-            <a:r>
-              <a:rPr lang="en-US" altLang="zh-TW" dirty="0" smtClean="0"/>
-              <a:t>RJ-45 </a:t>
-            </a:r>
-            <a:r>
-              <a:rPr lang="zh-TW" altLang="en-US" dirty="0" smtClean="0"/>
-              <a:t>做 </a:t>
-            </a:r>
-            <a:r>
-              <a:rPr lang="en-US" altLang="zh-TW" dirty="0" smtClean="0"/>
-              <a:t>Android 6.0 </a:t>
-            </a:r>
-            <a:r>
-              <a:rPr lang="zh-TW" altLang="en-US" dirty="0" smtClean="0"/>
-              <a:t>系統中的 </a:t>
-            </a:r>
-            <a:r>
-              <a:rPr lang="en-US" altLang="zh-TW" dirty="0" smtClean="0"/>
-              <a:t>WLAN </a:t>
-            </a:r>
-            <a:r>
-              <a:rPr lang="zh-TW" altLang="en-US" dirty="0" smtClean="0"/>
-              <a:t>或 </a:t>
-            </a:r>
-            <a:r>
-              <a:rPr lang="en-US" altLang="zh-TW" dirty="0" smtClean="0"/>
-              <a:t>WWAN </a:t>
-            </a:r>
-            <a:r>
-              <a:rPr lang="zh-TW" altLang="en-US" dirty="0" smtClean="0"/>
-              <a:t>壓力測試</a:t>
-            </a:r>
-          </a:p>
-          <a:p>
-            <a:r>
-              <a:rPr lang="zh-TW" altLang="en-US" dirty="0" smtClean="0"/>
-              <a:t>透過 </a:t>
-            </a:r>
-            <a:r>
-              <a:rPr lang="en-US" altLang="zh-TW" dirty="0" smtClean="0"/>
-              <a:t>RJ-45 </a:t>
-            </a:r>
-            <a:r>
-              <a:rPr lang="zh-TW" altLang="en-US" dirty="0" smtClean="0"/>
-              <a:t>做 </a:t>
-            </a:r>
-            <a:r>
-              <a:rPr lang="en-US" altLang="zh-TW" dirty="0" smtClean="0"/>
-              <a:t>Android 8.0 </a:t>
-            </a:r>
-            <a:r>
-              <a:rPr lang="zh-TW" altLang="en-US" dirty="0" smtClean="0"/>
-              <a:t>系統中的 </a:t>
-            </a:r>
-            <a:r>
-              <a:rPr lang="en-US" altLang="zh-TW" dirty="0" smtClean="0"/>
-              <a:t>WLAN </a:t>
-            </a:r>
-            <a:r>
-              <a:rPr lang="zh-TW" altLang="en-US" dirty="0" smtClean="0"/>
-              <a:t>或 </a:t>
-            </a:r>
-            <a:r>
-              <a:rPr lang="en-US" altLang="zh-TW" dirty="0" smtClean="0"/>
-              <a:t>WWAN </a:t>
-            </a:r>
-            <a:r>
-              <a:rPr lang="zh-TW" altLang="en-US" dirty="0" smtClean="0"/>
-              <a:t>壓力測試</a:t>
-            </a:r>
-          </a:p>
-          <a:p>
-            <a:r>
-              <a:rPr lang="zh-TW" altLang="en-US" dirty="0" smtClean="0"/>
-              <a:t>透過 </a:t>
-            </a:r>
-            <a:r>
-              <a:rPr lang="en-US" altLang="zh-TW" dirty="0" smtClean="0"/>
-              <a:t>OTG </a:t>
-            </a:r>
-            <a:r>
-              <a:rPr lang="zh-TW" altLang="en-US" dirty="0" smtClean="0"/>
-              <a:t>做 </a:t>
-            </a:r>
-            <a:r>
-              <a:rPr lang="en-US" altLang="zh-TW" dirty="0" smtClean="0"/>
-              <a:t>Android 6.0 </a:t>
-            </a:r>
-            <a:r>
-              <a:rPr lang="zh-TW" altLang="en-US" dirty="0" smtClean="0"/>
-              <a:t>系統中的 </a:t>
-            </a:r>
-            <a:r>
-              <a:rPr lang="en-US" altLang="zh-TW" dirty="0" smtClean="0"/>
-              <a:t>WLAN </a:t>
-            </a:r>
-            <a:r>
-              <a:rPr lang="zh-TW" altLang="en-US" dirty="0" smtClean="0"/>
-              <a:t>或 </a:t>
-            </a:r>
-            <a:r>
-              <a:rPr lang="en-US" altLang="zh-TW" dirty="0" smtClean="0"/>
-              <a:t>WWAN </a:t>
-            </a:r>
-            <a:r>
-              <a:rPr lang="zh-TW" altLang="en-US" dirty="0" smtClean="0"/>
-              <a:t>壓力測試</a:t>
-            </a:r>
-          </a:p>
-          <a:p>
-            <a:r>
-              <a:rPr lang="zh-TW" altLang="en-US" dirty="0" smtClean="0"/>
-              <a:t>透過 </a:t>
-            </a:r>
-            <a:r>
-              <a:rPr lang="en-US" altLang="zh-TW" dirty="0" smtClean="0"/>
-              <a:t>OTG </a:t>
-            </a:r>
-            <a:r>
-              <a:rPr lang="zh-TW" altLang="en-US" dirty="0" smtClean="0"/>
-              <a:t>做 </a:t>
-            </a:r>
-            <a:r>
-              <a:rPr lang="en-US" altLang="zh-TW" dirty="0" smtClean="0"/>
-              <a:t>Android 8.0 </a:t>
-            </a:r>
-            <a:r>
-              <a:rPr lang="zh-TW" altLang="en-US" dirty="0" smtClean="0"/>
-              <a:t>系統中的 </a:t>
-            </a:r>
-            <a:r>
-              <a:rPr lang="en-US" altLang="zh-TW" dirty="0" smtClean="0"/>
-              <a:t>WLAN </a:t>
-            </a:r>
-            <a:r>
-              <a:rPr lang="zh-TW" altLang="en-US" dirty="0" smtClean="0"/>
-              <a:t>或 </a:t>
-            </a:r>
-            <a:r>
-              <a:rPr lang="en-US" altLang="zh-TW" dirty="0" smtClean="0"/>
-              <a:t>WWAN </a:t>
-            </a:r>
-            <a:r>
-              <a:rPr lang="zh-TW" altLang="en-US" dirty="0" smtClean="0"/>
-              <a:t>壓力測試</a:t>
-            </a:r>
-          </a:p>
-          <a:p>
-            <a:r>
-              <a:rPr lang="en-US" altLang="zh-TW" dirty="0" smtClean="0"/>
-              <a:t>Windows </a:t>
-            </a:r>
-            <a:r>
-              <a:rPr lang="zh-TW" altLang="en-US" dirty="0" smtClean="0"/>
-              <a:t>系統中的 </a:t>
-            </a:r>
-            <a:r>
-              <a:rPr lang="en-US" altLang="zh-TW" dirty="0" smtClean="0"/>
-              <a:t>WLAN </a:t>
-            </a:r>
-            <a:r>
-              <a:rPr lang="zh-TW" altLang="en-US" dirty="0" smtClean="0"/>
-              <a:t>壓力測試 </a:t>
-            </a:r>
-            <a:endParaRPr lang="zh-TW" altLang="en-US" dirty="0"/>
+              <a:t>的穩定性</a:t>
+            </a:r>
+            <a:endParaRPr lang="zh-TW" altLang="en-US" dirty="0" smtClean="0"/>
           </a:p>
         </p:txBody>
       </p:sp>
@@ -2011,14 +1826,25 @@
             </a:pPr>
             <a:r>
               <a:rPr lang="zh-TW" altLang="en-US" dirty="0" smtClean="0"/>
-              <a:t>解決方案</a:t>
+              <a:t>需求</a:t>
             </a:r>
             <a:endParaRPr lang="en-US" altLang="zh-TW" dirty="0" smtClean="0"/>
           </a:p>
           <a:p>
             <a:r>
               <a:rPr lang="zh-TW" altLang="en-US" dirty="0" smtClean="0"/>
-              <a:t>透過程式自動擷取主機 </a:t>
+              <a:t>改善</a:t>
+            </a:r>
+            <a:endParaRPr lang="en-US" altLang="zh-TW" dirty="0" smtClean="0"/>
+          </a:p>
+          <a:p>
+            <a:r>
+              <a:rPr lang="zh-TW" altLang="en-US" dirty="0" smtClean="0"/>
+              <a:t>透過</a:t>
+            </a:r>
+            <a:r>
+              <a:rPr lang="zh-TW" altLang="en-US" dirty="0" smtClean="0"/>
+              <a:t>程式自動擷取主機 </a:t>
             </a:r>
             <a:r>
               <a:rPr lang="en-US" altLang="zh-TW" dirty="0" smtClean="0"/>
@@ -2121,14 +1947,51 @@
           <a:p>
             <a:r>
               <a:rPr lang="zh-TW" altLang="en-US" dirty="0" smtClean="0"/>
-              <a:t>解決方案</a:t>
+              <a:t>需求</a:t>
             </a:r>
             <a:endParaRPr lang="en-US" altLang="zh-TW" dirty="0" smtClean="0"/>
           </a:p>
           <a:p>
             <a:r>
               <a:rPr lang="zh-TW" altLang="en-US" dirty="0" smtClean="0"/>
-              <a:t>依產品需求規格製作產圖之程式</a:t>
+              <a:t>由於部門內部原先的同仁在測試量測</a:t>
+            </a:r>
+            <a:r>
+              <a:rPr lang="en-US" altLang="zh-TW" dirty="0" smtClean="0"/>
+              <a:t>panel</a:t>
+            </a:r>
+            <a:r>
+              <a:rPr lang="zh-TW" altLang="en-US" dirty="0" smtClean="0"/>
+              <a:t>時都是採納約略的位置  因為沒有治具 所以我開發了這支程式來更精準解決改善測試精準度這件事  所以未來只要是有產品的規格 依照規格輸入所需的相關資訊 便可以自動產生精確量測</a:t>
+            </a:r>
+            <a:r>
+              <a:rPr lang="en-US" altLang="zh-TW" dirty="0" smtClean="0"/>
+              <a:t>Panel</a:t>
+            </a:r>
+            <a:r>
+              <a:rPr lang="zh-TW" altLang="en-US" dirty="0" smtClean="0"/>
+              <a:t>的位置 但這支程式其實取代的是人工繪圖這一段 並不是自動量測</a:t>
+            </a:r>
+            <a:endParaRPr lang="en-US" altLang="zh-TW" dirty="0" smtClean="0"/>
+          </a:p>
+          <a:p>
+            <a:endParaRPr lang="en-US" altLang="zh-TW" dirty="0" smtClean="0"/>
+          </a:p>
+          <a:p>
+            <a:r>
+              <a:rPr lang="zh-TW" altLang="en-US" dirty="0" smtClean="0"/>
+              <a:t>改善</a:t>
+            </a:r>
+            <a:endParaRPr lang="en-US" altLang="zh-TW" dirty="0" smtClean="0"/>
+          </a:p>
+          <a:p>
+            <a:r>
+              <a:rPr lang="zh-TW" altLang="en-US" dirty="0" smtClean="0"/>
+              <a:t>依</a:t>
+            </a:r>
+            <a:r>
+              <a:rPr lang="zh-TW" altLang="en-US" dirty="0" smtClean="0"/>
+              <a:t>產品需求規格製作產圖之程式</a:t>
             </a:r>
           </a:p>
           <a:p>
@@ -2333,7 +2196,35 @@
             </a:pPr>
             <a:r>
               <a:rPr lang="zh-TW" altLang="en-US" dirty="0" smtClean="0"/>
-              <a:t>自動化測試就像利用自動化執行手動測試的行為，像是自動化的回歸測試。</a:t>
+              <a:t>快速、可靠、重複、準確、時間成本、減少人為因素、重複性的測試案例。</a:t>
+            </a:r>
+            <a:endParaRPr lang="en-US" altLang="zh-TW" dirty="0" smtClean="0"/>
+          </a:p>
+          <a:p>
+            <a:pPr marL="0" marR="0" indent="0" algn="l" defTabSz="914400" rtl="0" eaLnBrk="0" fontAlgn="base" latinLnBrk="0" hangingPunct="0">
+              <a:lnSpc>
+                <a:spcPct val="100000"/>
+              </a:lnSpc>
+              <a:spcBef>
+                <a:spcPct val="30000"/>
+              </a:spcBef>
+              <a:spcAft>
+                <a:spcPct val="0"/>
+              </a:spcAft>
+              <a:buClrTx/>
+              <a:buSzTx/>
+              <a:buFontTx/>
+              <a:buNone/>
+              <a:tabLst/>
+              <a:defRPr/>
+            </a:pPr>
+            <a:r>
+              <a:rPr lang="zh-TW" altLang="en-US" dirty="0" smtClean="0"/>
+              <a:t>自動化</a:t>
+            </a:r>
+            <a:r>
+              <a:rPr lang="zh-TW" altLang="en-US" dirty="0" smtClean="0"/>
+              <a:t>測試就像利用自動化執行手動測試的行為，像是自動化的回歸測試。</a:t>
             </a:r>
             <a:endParaRPr lang="en-US" altLang="zh-TW" dirty="0" smtClean="0"/>
           </a:p>
@@ -2506,15 +2397,51 @@
           <a:lstStyle/>
           <a:p>
             <a:r>
+              <a:rPr lang="zh-TW" altLang="en-US" sz="1200" dirty="0" smtClean="0">
+                <a:latin typeface="Times New Roman" panose="02020603050405020304" pitchFamily="18" charset="0"/>
+                <a:cs typeface="Times New Roman" panose="02020603050405020304" pitchFamily="18" charset="0"/>
+              </a:rPr>
+              <a:t>需求</a:t>
+            </a:r>
+            <a:endParaRPr lang="en-US" altLang="zh-TW" sz="1200" dirty="0" smtClean="0">
+              <a:latin typeface="Times New Roman" panose="02020603050405020304" pitchFamily="18" charset="0"/>
+              <a:cs typeface="Times New Roman" panose="02020603050405020304" pitchFamily="18" charset="0"/>
+            </a:endParaRPr>
+          </a:p>
+          <a:p>
+            <a:r>
               <a:rPr lang="zh-TW" altLang="en-US" dirty="0" smtClean="0"/>
-              <a:t>解決方案</a:t>
+              <a:t>改善</a:t>
             </a:r>
             <a:endParaRPr lang="en-US" altLang="zh-TW" dirty="0" smtClean="0"/>
           </a:p>
           <a:p>
             <a:r>
               <a:rPr lang="zh-TW" altLang="en-US" dirty="0" smtClean="0"/>
-              <a:t>自動化安裝 </a:t>
+              <a:t>現在可以透過 </a:t>
+            </a:r>
+            <a:r>
+              <a:rPr lang="en-US" altLang="zh-TW" dirty="0" smtClean="0"/>
+              <a:t>Legacy </a:t>
+            </a:r>
+            <a:r>
+              <a:rPr lang="zh-TW" altLang="en-US" dirty="0" smtClean="0"/>
+              <a:t>跟 </a:t>
+            </a:r>
+            <a:r>
+              <a:rPr lang="en-US" altLang="zh-TW" dirty="0" smtClean="0"/>
+              <a:t>UEFI </a:t>
+            </a:r>
+            <a:r>
+              <a:rPr lang="zh-TW" altLang="en-US" dirty="0" smtClean="0"/>
+              <a:t>安裝</a:t>
+            </a:r>
+            <a:endParaRPr lang="en-US" altLang="zh-TW" dirty="0" smtClean="0"/>
+          </a:p>
+          <a:p>
+            <a:r>
+              <a:rPr lang="zh-TW" altLang="en-US" dirty="0" smtClean="0"/>
+              <a:t>自動重複化安裝 </a:t>
             </a:r>
             <a:r>
               <a:rPr lang="en-US" altLang="zh-TW" dirty="0" smtClean="0"/>
@@ -2702,7 +2629,21 @@
           <a:p>
             <a:r>
               <a:rPr lang="zh-TW" altLang="en-US" dirty="0" smtClean="0"/>
-              <a:t>解決方案</a:t>
+              <a:t>需求</a:t>
+            </a:r>
+            <a:endParaRPr lang="en-US" altLang="zh-TW" dirty="0" smtClean="0"/>
+          </a:p>
+          <a:p>
+            <a:r>
+              <a:rPr lang="zh-TW" altLang="en-US" dirty="0" smtClean="0"/>
+              <a:t>要講為何要開發這個？原因是什麼？</a:t>
+            </a:r>
+            <a:endParaRPr lang="en-US" altLang="zh-TW" dirty="0" smtClean="0"/>
+          </a:p>
+          <a:p>
+            <a:r>
+              <a:rPr lang="zh-TW" altLang="en-US" dirty="0" smtClean="0"/>
+              <a:t>改善</a:t>
             </a:r>
             <a:endParaRPr lang="en-US" altLang="zh-TW" dirty="0" smtClean="0"/>
           </a:p>
@@ -3339,6 +3280,13 @@
           <a:bodyPr/>
           <a:lstStyle/>
           <a:p>
+            <a:r>
+              <a:rPr lang="zh-TW" altLang="en-US" dirty="0" smtClean="0"/>
+              <a:t>需求</a:t>
+            </a:r>
+            <a:endParaRPr lang="en-US" altLang="zh-TW" dirty="0" smtClean="0"/>
+          </a:p>
+          <a:p>
             <a:pPr marL="0" marR="0" indent="0" algn="l" defTabSz="914400" rtl="0" eaLnBrk="0" fontAlgn="base" latinLnBrk="0" hangingPunct="0">
               <a:lnSpc>
                 <a:spcPct val="100000"/>
@@ -3358,14 +3306,117 @@
             </a:pPr>
             <a:r>
               <a:rPr lang="zh-TW" altLang="en-US" dirty="0" smtClean="0"/>
-              <a:t>解決方案</a:t>
+              <a:t>因為過去在測試 </a:t>
+            </a:r>
+            <a:r>
+              <a:rPr lang="en-US" altLang="zh-TW" dirty="0" smtClean="0"/>
+              <a:t>Roaming </a:t>
+            </a:r>
+            <a:r>
+              <a:rPr lang="zh-TW" altLang="en-US" dirty="0" smtClean="0"/>
+              <a:t>程式時，是要用人力去推著 </a:t>
+            </a:r>
+            <a:r>
+              <a:rPr lang="en-US" altLang="zh-TW" dirty="0" smtClean="0"/>
+              <a:t>AP</a:t>
+            </a:r>
+            <a:r>
+              <a:rPr lang="zh-TW" altLang="en-US" dirty="0" smtClean="0"/>
+              <a:t> ，並且人力去斷電，但現在可以透過程式去 </a:t>
+            </a:r>
+            <a:r>
+              <a:rPr lang="en-US" altLang="zh-TW" dirty="0" smtClean="0"/>
+              <a:t>Control</a:t>
+            </a:r>
+            <a:r>
+              <a:rPr lang="zh-TW" altLang="en-US" baseline="0" dirty="0" smtClean="0"/>
+              <a:t> 然後可以讓系統去自動 </a:t>
+            </a:r>
+            <a:r>
+              <a:rPr lang="en-US" altLang="zh-TW" baseline="0" dirty="0" smtClean="0"/>
+              <a:t>Reboot</a:t>
+            </a:r>
+          </a:p>
+          <a:p>
+            <a:pPr marL="0" marR="0" indent="0" algn="l" defTabSz="914400" rtl="0" eaLnBrk="0" fontAlgn="base" latinLnBrk="0" hangingPunct="0">
+              <a:lnSpc>
+                <a:spcPct val="100000"/>
+              </a:lnSpc>
+              <a:spcBef>
+                <a:spcPct val="30000"/>
+              </a:spcBef>
+              <a:spcAft>
+                <a:spcPct val="0"/>
+              </a:spcAft>
+              <a:buClrTx/>
+              <a:buSzTx/>
+              <a:buFontTx/>
+              <a:buNone/>
+              <a:tabLst/>
+              <a:defRPr/>
+            </a:pPr>
+            <a:r>
+              <a:rPr lang="zh-TW" altLang="en-US" baseline="0" dirty="0" smtClean="0"/>
+              <a:t>也就是說我的 </a:t>
+            </a:r>
+            <a:r>
+              <a:rPr lang="en-US" altLang="zh-TW" baseline="0" dirty="0" smtClean="0"/>
+              <a:t>DUT </a:t>
+            </a:r>
+            <a:r>
+              <a:rPr lang="zh-TW" altLang="en-US" baseline="0" dirty="0" smtClean="0"/>
+              <a:t>只要裝上這隻程式 就可以從 </a:t>
+            </a:r>
+            <a:r>
+              <a:rPr lang="en-US" altLang="zh-TW" baseline="0" dirty="0" smtClean="0"/>
+              <a:t>AP A Switch </a:t>
+            </a:r>
+            <a:r>
+              <a:rPr lang="zh-TW" altLang="en-US" baseline="0" dirty="0" smtClean="0"/>
+              <a:t>到 </a:t>
+            </a:r>
+            <a:r>
+              <a:rPr lang="en-US" altLang="zh-TW" baseline="0" dirty="0" smtClean="0"/>
+              <a:t>AP B</a:t>
+            </a:r>
+            <a:r>
+              <a:rPr lang="zh-TW" altLang="en-US" baseline="0" dirty="0" smtClean="0"/>
+              <a:t> 然後再切換回來</a:t>
             </a:r>
             <a:endParaRPr lang="en-US" altLang="zh-TW" dirty="0" smtClean="0"/>
           </a:p>
           <a:p>
+            <a:pPr marL="0" marR="0" indent="0" algn="l" defTabSz="914400" rtl="0" eaLnBrk="0" fontAlgn="base" latinLnBrk="0" hangingPunct="0">
+              <a:lnSpc>
+                <a:spcPct val="100000"/>
+              </a:lnSpc>
+              <a:spcBef>
+                <a:spcPct val="30000"/>
+              </a:spcBef>
+              <a:spcAft>
+                <a:spcPct val="0"/>
+              </a:spcAft>
+              <a:buClrTx/>
+              <a:buSzTx/>
+              <a:buFontTx/>
+              <a:buNone/>
+              <a:tabLst/>
+              <a:defRPr/>
+            </a:pPr>
             <a:r>
               <a:rPr lang="zh-TW" altLang="en-US" dirty="0" smtClean="0"/>
-              <a:t>減少手動測試失誤問題</a:t>
+              <a:t>改善</a:t>
+            </a:r>
+            <a:endParaRPr lang="en-US" altLang="zh-TW" dirty="0" smtClean="0"/>
+          </a:p>
+          <a:p>
+            <a:r>
+              <a:rPr lang="zh-TW" altLang="en-US" dirty="0" smtClean="0"/>
+              <a:t>減少</a:t>
+            </a:r>
+            <a:r>
+              <a:rPr lang="zh-TW" altLang="en-US" dirty="0" smtClean="0"/>
+              <a:t>手動測試失誤問題</a:t>
             </a:r>
           </a:p>
           <a:p>
@@ -3399,8 +3450,162 @@
           <a:p>
             <a:r>
               <a:rPr lang="zh-TW" altLang="en-US" dirty="0" smtClean="0"/>
-              <a:t>長時間壓力測試執行</a:t>
-            </a:r>
+              <a:t>長時間壓力測試</a:t>
+            </a:r>
+            <a:r>
+              <a:rPr lang="zh-TW" altLang="en-US" dirty="0" smtClean="0"/>
+              <a:t>執行</a:t>
+            </a:r>
+            <a:endParaRPr lang="en-US" altLang="zh-TW" dirty="0" smtClean="0"/>
+          </a:p>
+          <a:p>
+            <a:r>
+              <a:rPr lang="zh-TW" altLang="en-US" dirty="0" smtClean="0"/>
+              <a:t>那為何目前只能測</a:t>
+            </a:r>
+            <a:r>
+              <a:rPr lang="zh-TW" altLang="en-US" baseline="0" dirty="0" smtClean="0"/>
+              <a:t> </a:t>
+            </a:r>
+            <a:r>
+              <a:rPr lang="en-US" altLang="zh-TW" baseline="0" dirty="0" smtClean="0"/>
+              <a:t>10 </a:t>
+            </a:r>
+            <a:r>
+              <a:rPr lang="zh-TW" altLang="en-US" baseline="0" dirty="0" smtClean="0"/>
+              <a:t>次主要原因是 </a:t>
+            </a:r>
+            <a:r>
+              <a:rPr lang="en-US" altLang="zh-TW" baseline="0" dirty="0" smtClean="0"/>
+              <a:t>AP </a:t>
+            </a:r>
+            <a:r>
+              <a:rPr lang="zh-TW" altLang="en-US" baseline="0" dirty="0" smtClean="0"/>
+              <a:t>不穩定 所以需要數位衰減器</a:t>
+            </a:r>
+            <a:endParaRPr lang="en-US" altLang="zh-TW" baseline="0" dirty="0" smtClean="0"/>
+          </a:p>
+          <a:p>
+            <a:r>
+              <a:rPr lang="zh-TW" altLang="en-US" baseline="0" dirty="0" smtClean="0"/>
+              <a:t>因為數位衰減器搭配用數位衰減訊號的方式來做有點像</a:t>
+            </a:r>
+            <a:r>
+              <a:rPr lang="en-US" altLang="zh-TW" baseline="0" dirty="0" smtClean="0"/>
+              <a:t> handover </a:t>
+            </a:r>
+            <a:r>
+              <a:rPr lang="zh-TW" altLang="en-US" baseline="0" dirty="0" smtClean="0"/>
+              <a:t>的概念  避免一直在 </a:t>
+            </a:r>
+            <a:r>
+              <a:rPr lang="en-US" altLang="zh-TW" baseline="0" dirty="0" smtClean="0"/>
+              <a:t>Reboot AP</a:t>
+            </a:r>
+          </a:p>
+          <a:p>
+            <a:r>
+              <a:rPr lang="zh-TW" altLang="en-US" baseline="0" dirty="0" smtClean="0"/>
+              <a:t>那調整強度後 </a:t>
+            </a:r>
+            <a:r>
+              <a:rPr lang="en-US" altLang="zh-TW" baseline="0" dirty="0" smtClean="0"/>
+              <a:t>UI </a:t>
+            </a:r>
+            <a:r>
+              <a:rPr lang="zh-TW" altLang="en-US" baseline="0" dirty="0" smtClean="0"/>
+              <a:t>因為不放的原因我覺得有</a:t>
+            </a:r>
+            <a:r>
+              <a:rPr lang="en-US" altLang="zh-TW" baseline="0" dirty="0" smtClean="0"/>
+              <a:t>2</a:t>
+            </a:r>
+            <a:r>
+              <a:rPr lang="zh-TW" altLang="en-US" baseline="0" dirty="0" smtClean="0"/>
+              <a:t>個</a:t>
+            </a:r>
+            <a:r>
+              <a:rPr lang="en-US" altLang="zh-TW" baseline="0" dirty="0" smtClean="0"/>
+              <a:t>…</a:t>
+            </a:r>
+          </a:p>
+          <a:p>
+            <a:r>
+              <a:rPr lang="en-US" altLang="zh-TW" baseline="0" dirty="0" smtClean="0"/>
+              <a:t>1. </a:t>
+            </a:r>
+            <a:r>
+              <a:rPr lang="zh-TW" altLang="en-US" baseline="0" dirty="0" smtClean="0"/>
+              <a:t>兩台 </a:t>
+            </a:r>
+            <a:r>
+              <a:rPr lang="en-US" altLang="zh-TW" baseline="0" dirty="0" smtClean="0"/>
+              <a:t>AP</a:t>
+            </a:r>
+            <a:r>
+              <a:rPr lang="zh-TW" altLang="en-US" baseline="0" dirty="0" smtClean="0"/>
+              <a:t> 太近</a:t>
+            </a:r>
+          </a:p>
+          <a:p>
+            <a:r>
+              <a:rPr lang="en-US" altLang="zh-TW" baseline="0" dirty="0" smtClean="0"/>
+              <a:t>2. </a:t>
+            </a:r>
+            <a:r>
+              <a:rPr lang="zh-TW" altLang="en-US" baseline="0" dirty="0" smtClean="0"/>
+              <a:t>不清楚當下</a:t>
+            </a:r>
+            <a:r>
+              <a:rPr lang="en-US" altLang="zh-TW" baseline="0" dirty="0" smtClean="0"/>
+              <a:t>Wi-Fi module F/W </a:t>
+            </a:r>
+            <a:r>
+              <a:rPr lang="zh-TW" altLang="en-US" baseline="0" dirty="0" smtClean="0"/>
+              <a:t>設定 </a:t>
+            </a:r>
+            <a:r>
+              <a:rPr lang="en-US" altLang="zh-TW" baseline="0" dirty="0" smtClean="0"/>
+              <a:t>Roaming </a:t>
+            </a:r>
+            <a:r>
+              <a:rPr lang="zh-TW" altLang="en-US" baseline="0" dirty="0" smtClean="0"/>
+              <a:t>的強度要多低才能跳</a:t>
+            </a:r>
+            <a:endParaRPr lang="en-US" altLang="zh-TW" baseline="0" dirty="0" smtClean="0"/>
+          </a:p>
+          <a:p>
+            <a:r>
+              <a:rPr lang="zh-TW" altLang="en-US" baseline="0" dirty="0" smtClean="0"/>
+              <a:t>所以最後發現 </a:t>
+            </a:r>
+            <a:r>
+              <a:rPr lang="en-US" altLang="zh-TW" baseline="0" dirty="0" smtClean="0"/>
+              <a:t>AP</a:t>
+            </a:r>
+            <a:r>
+              <a:rPr lang="zh-TW" altLang="en-US" baseline="0" dirty="0" smtClean="0"/>
+              <a:t> 不是設計來重開機的，所以 </a:t>
+            </a:r>
+            <a:r>
+              <a:rPr lang="en-US" altLang="zh-TW" baseline="0" dirty="0" smtClean="0"/>
+              <a:t>reset</a:t>
+            </a:r>
+            <a:r>
+              <a:rPr lang="zh-TW" altLang="en-US" baseline="0" dirty="0" smtClean="0"/>
+              <a:t> 多次後 </a:t>
+            </a:r>
+            <a:r>
+              <a:rPr lang="en-US" altLang="zh-TW" baseline="0" dirty="0" smtClean="0"/>
+              <a:t>AP</a:t>
+            </a:r>
+            <a:r>
+              <a:rPr lang="zh-TW" altLang="en-US" baseline="0" dirty="0" smtClean="0"/>
+              <a:t> 會有問題 因此根本辦法是從比較貼近實際應用的訊號衰減來做，所以還是得透過訊號衰減器來實現</a:t>
+            </a:r>
+            <a:endParaRPr lang="en-US" altLang="zh-TW" dirty="0" smtClean="0"/>
+          </a:p>
+          <a:p>
             <a:endParaRPr lang="zh-TW" altLang="en-US" dirty="0"/>
           </a:p>
         </p:txBody>
@@ -3486,6 +3691,74 @@
           <a:bodyPr/>
           <a:lstStyle/>
           <a:p>
+            <a:r>
+              <a:rPr lang="zh-TW" altLang="en-US" dirty="0" smtClean="0"/>
+              <a:t>我的帶測物很簡單，他只要連到其中一台 </a:t>
+            </a:r>
+            <a:r>
+              <a:rPr lang="en-US" altLang="zh-TW" dirty="0" smtClean="0"/>
+              <a:t>AP </a:t>
+            </a:r>
+            <a:r>
+              <a:rPr lang="zh-TW" altLang="en-US" dirty="0" smtClean="0"/>
+              <a:t>之後 就可以 </a:t>
+            </a:r>
+            <a:r>
+              <a:rPr lang="en-US" altLang="zh-TW" dirty="0" smtClean="0"/>
+              <a:t>A switch </a:t>
+            </a:r>
+            <a:r>
+              <a:rPr lang="zh-TW" altLang="en-US" dirty="0" smtClean="0"/>
+              <a:t>到 </a:t>
+            </a:r>
+            <a:r>
+              <a:rPr lang="en-US" altLang="zh-TW" dirty="0" smtClean="0"/>
+              <a:t>B </a:t>
+            </a:r>
+            <a:r>
+              <a:rPr lang="zh-TW" altLang="en-US" dirty="0" smtClean="0"/>
+              <a:t>又可以從 </a:t>
+            </a:r>
+            <a:r>
+              <a:rPr lang="en-US" altLang="zh-TW" dirty="0" smtClean="0"/>
+              <a:t>B switch </a:t>
+            </a:r>
+            <a:r>
+              <a:rPr lang="zh-TW" altLang="en-US" dirty="0" smtClean="0"/>
+              <a:t>到 </a:t>
+            </a:r>
+            <a:r>
+              <a:rPr lang="en-US" altLang="zh-TW" dirty="0" smtClean="0"/>
+              <a:t>A</a:t>
+            </a:r>
+            <a:r>
+              <a:rPr lang="zh-TW" altLang="en-US" dirty="0" smtClean="0"/>
+              <a:t>，那這個 </a:t>
+            </a:r>
+            <a:r>
+              <a:rPr lang="en-US" altLang="zh-TW" dirty="0" smtClean="0"/>
+              <a:t>AP </a:t>
+            </a:r>
+            <a:r>
+              <a:rPr lang="zh-TW" altLang="en-US" dirty="0" smtClean="0"/>
+              <a:t>可以換成其他台，但是程式要針對 </a:t>
+            </a:r>
+            <a:r>
+              <a:rPr lang="en-US" altLang="zh-TW" dirty="0" smtClean="0"/>
+              <a:t>Web UI </a:t>
+            </a:r>
+            <a:r>
+              <a:rPr lang="zh-TW" altLang="en-US" dirty="0" smtClean="0"/>
+              <a:t>的介面做修改，我就可以 </a:t>
+            </a:r>
+            <a:r>
+              <a:rPr lang="en-US" altLang="zh-TW" dirty="0" smtClean="0"/>
+              <a:t>Run </a:t>
+            </a:r>
+            <a:r>
+              <a:rPr lang="zh-TW" altLang="en-US" dirty="0" smtClean="0"/>
+              <a:t>了</a:t>
+            </a:r>
             <a:endParaRPr lang="zh-TW" altLang="en-US" dirty="0"/>
           </a:p>
         </p:txBody>
@@ -3656,26 +3929,55 @@
           <a:bodyPr/>
           <a:lstStyle/>
           <a:p>
-            <a:pPr marL="0" marR="0" indent="0" algn="l" defTabSz="914400" rtl="0" eaLnBrk="0" fontAlgn="base" latinLnBrk="0" hangingPunct="0">
-              <a:lnSpc>
-                <a:spcPct val="100000"/>
-              </a:lnSpc>
-              <a:spcBef>
-                <a:spcPct val="30000"/>
-              </a:spcBef>
-              <a:spcAft>
-                <a:spcPct val="0"/>
-              </a:spcAft>
-              <a:buClrTx/>
-              <a:buSzTx/>
-              <a:buFontTx/>
-              <a:buNone/>
-              <a:tabLst/>
-              <a:defRPr/>
-            </a:pPr>
             <a:r>
               <a:rPr lang="zh-TW" altLang="en-US" dirty="0" smtClean="0"/>
-              <a:t>解決方案</a:t>
+              <a:t>需求</a:t>
+            </a:r>
+            <a:endParaRPr lang="en-US" altLang="zh-TW" dirty="0" smtClean="0"/>
+          </a:p>
+          <a:p>
+            <a:r>
+              <a:rPr lang="zh-TW" altLang="en-US" dirty="0" smtClean="0"/>
+              <a:t>一開始是希望可以透過 </a:t>
+            </a:r>
+            <a:r>
+              <a:rPr lang="en-US" altLang="zh-TW" dirty="0" smtClean="0"/>
+              <a:t>AP </a:t>
+            </a:r>
+            <a:r>
+              <a:rPr lang="zh-TW" altLang="en-US" dirty="0" smtClean="0"/>
+              <a:t>做 </a:t>
+            </a:r>
+            <a:r>
+              <a:rPr lang="en-US" altLang="zh-TW" dirty="0" smtClean="0"/>
+              <a:t>2.4 G </a:t>
+            </a:r>
+            <a:r>
+              <a:rPr lang="zh-TW" altLang="en-US" dirty="0" smtClean="0"/>
+              <a:t>跟 </a:t>
+            </a:r>
+            <a:r>
+              <a:rPr lang="en-US" altLang="zh-TW" dirty="0" smtClean="0"/>
+              <a:t>5 G </a:t>
+            </a:r>
+            <a:r>
+              <a:rPr lang="zh-TW" altLang="en-US" dirty="0" smtClean="0"/>
+              <a:t>的 </a:t>
+            </a:r>
+            <a:r>
+              <a:rPr lang="en-US" altLang="zh-TW" dirty="0" smtClean="0"/>
+              <a:t>Wi-Fi </a:t>
+            </a:r>
+            <a:r>
+              <a:rPr lang="zh-TW" altLang="en-US" dirty="0" smtClean="0"/>
+              <a:t>模式相互間的切換 所以寫這隻程式</a:t>
+            </a:r>
+            <a:endParaRPr lang="en-US" altLang="zh-TW" dirty="0" smtClean="0"/>
+          </a:p>
+          <a:p>
+            <a:r>
+              <a:rPr lang="zh-TW" altLang="en-US" dirty="0" smtClean="0"/>
+              <a:t>改善</a:t>
             </a:r>
             <a:endParaRPr lang="en-US" altLang="zh-TW" dirty="0" smtClean="0"/>
           </a:p>
@@ -7638,7 +7940,7 @@
           <a:graphicData uri="http://schemas.openxmlformats.org/presentationml/2006/ole">
             <mc:AlternateContent xmlns:mc="http://schemas.openxmlformats.org/markup-compatibility/2006">
               <mc:Choice xmlns:v="urn:schemas-microsoft-com:vml" Requires="v">
-                <p:oleObj spid="_x0000_s5314" name="封裝程式殼層物件" showAsIcon="1" r:id="rId4" imgW="744480" imgH="394920" progId="Package">
+                <p:oleObj spid="_x0000_s5346" name="封裝程式殼層物件" showAsIcon="1" r:id="rId4" imgW="744480" imgH="394920" progId="Package">
                   <p:embed/>
                 </p:oleObj>
               </mc:Choice>
@@ -8020,6 +8322,24 @@
                 <a:latin typeface="Times New Roman" panose="02020603050405020304" pitchFamily="18" charset="0"/>
                 <a:cs typeface="Times New Roman" panose="02020603050405020304" pitchFamily="18" charset="0"/>
               </a:rPr>
+              <a:t>Demand </a:t>
+            </a:r>
+            <a:endParaRPr lang="en-US" altLang="zh-TW" sz="2000" dirty="0" smtClean="0">
+              <a:latin typeface="Times New Roman" panose="02020603050405020304" pitchFamily="18" charset="0"/>
+              <a:cs typeface="Times New Roman" panose="02020603050405020304" pitchFamily="18" charset="0"/>
+            </a:endParaRPr>
+          </a:p>
+          <a:p>
+            <a:pPr marL="342900" lvl="1" indent="-342900" eaLnBrk="1" hangingPunct="1">
+              <a:buFont typeface="Arial" charset="0"/>
+              <a:buChar char="•"/>
+              <a:defRPr/>
+            </a:pPr>
+            <a:r>
+              <a:rPr lang="en-US" altLang="zh-TW" sz="2000" dirty="0" smtClean="0">
+                <a:latin typeface="Times New Roman" panose="02020603050405020304" pitchFamily="18" charset="0"/>
+                <a:cs typeface="Times New Roman" panose="02020603050405020304" pitchFamily="18" charset="0"/>
+              </a:rPr>
               <a:t>Improvement</a:t>
             </a:r>
             <a:endParaRPr lang="en-US" altLang="zh-TW" sz="1800" dirty="0">
@@ -8197,14 +8517,7 @@
                 <a:latin typeface="Times New Roman" panose="02020603050405020304" pitchFamily="18" charset="0"/>
                 <a:cs typeface="Times New Roman" panose="02020603050405020304" pitchFamily="18" charset="0"/>
               </a:rPr>
-              <a:t>or 8.0.1 for </a:t>
-            </a:r>
-            <a:r>
-              <a:rPr lang="en-US" altLang="zh-TW" sz="2000" dirty="0" smtClean="0">
-                <a:latin typeface="Times New Roman" panose="02020603050405020304" pitchFamily="18" charset="0"/>
-                <a:cs typeface="Times New Roman" panose="02020603050405020304" pitchFamily="18" charset="0"/>
-              </a:rPr>
-              <a:t>WLAN and WWAN</a:t>
+              <a:t>or 8.0.1 for WLAN and WWAN</a:t>
             </a:r>
             <a:endParaRPr lang="en-US" altLang="zh-TW" sz="2000" dirty="0">
               <a:latin typeface="Times New Roman" panose="02020603050405020304" pitchFamily="18" charset="0"/>
@@ -8269,16 +8582,26 @@
                 <a:latin typeface="Times New Roman" panose="02020603050405020304" pitchFamily="18" charset="0"/>
                 <a:cs typeface="Times New Roman" panose="02020603050405020304" pitchFamily="18" charset="0"/>
               </a:rPr>
-              <a:t>Airplane ON/OFF Mode Automation(</a:t>
-            </a:r>
-            <a:r>
-              <a:rPr lang="en-US" altLang="zh-TW" sz="2800" kern="0" dirty="0" err="1">
+              <a:t>Airplane ON/OFF Mode </a:t>
+            </a:r>
+            <a:r>
+              <a:rPr lang="en-US" altLang="zh-TW" sz="2800" kern="0" dirty="0" smtClean="0">
                 <a:solidFill>
                   <a:srgbClr val="003366"/>
                 </a:solidFill>
                 <a:latin typeface="Times New Roman" panose="02020603050405020304" pitchFamily="18" charset="0"/>
                 <a:cs typeface="Times New Roman" panose="02020603050405020304" pitchFamily="18" charset="0"/>
               </a:rPr>
+              <a:t>Automation(</a:t>
+            </a:r>
+            <a:r>
+              <a:rPr lang="en-US" altLang="zh-TW" sz="2800" kern="0" dirty="0" err="1" smtClean="0">
+                <a:solidFill>
+                  <a:srgbClr val="003366"/>
+                </a:solidFill>
+                <a:latin typeface="Times New Roman" panose="02020603050405020304" pitchFamily="18" charset="0"/>
+                <a:cs typeface="Times New Roman" panose="02020603050405020304" pitchFamily="18" charset="0"/>
+              </a:rPr>
               <a:t>Androd</a:t>
             </a:r>
             <a:r>
@@ -8289,7 +8612,17 @@
                 <a:latin typeface="Times New Roman" panose="02020603050405020304" pitchFamily="18" charset="0"/>
                 <a:cs typeface="Times New Roman" panose="02020603050405020304" pitchFamily="18" charset="0"/>
               </a:rPr>
-              <a:t>, RJ45)</a:t>
+              <a:t>, RJ45</a:t>
+            </a:r>
+            <a:r>
+              <a:rPr lang="en-US" altLang="zh-TW" sz="2800" kern="0" dirty="0" smtClean="0">
+                <a:solidFill>
+                  <a:srgbClr val="003366"/>
+                </a:solidFill>
+                <a:latin typeface="Times New Roman" panose="02020603050405020304" pitchFamily="18" charset="0"/>
+                <a:cs typeface="Times New Roman" panose="02020603050405020304" pitchFamily="18" charset="0"/>
+              </a:rPr>
+              <a:t>)</a:t>
             </a:r>
             <a:endParaRPr lang="zh-TW" altLang="en-US" sz="2800" kern="0" dirty="0">
               <a:solidFill>
@@ -8411,14 +8744,7 @@
                 <a:latin typeface="Times New Roman" panose="02020603050405020304" pitchFamily="18" charset="0"/>
                 <a:cs typeface="Times New Roman" panose="02020603050405020304" pitchFamily="18" charset="0"/>
               </a:rPr>
-              <a:t>The output screenshot and log are as </a:t>
-            </a:r>
-            <a:r>
-              <a:rPr lang="en-US" altLang="zh-TW" sz="2000" dirty="0" smtClean="0">
-                <a:latin typeface="Times New Roman" panose="02020603050405020304" pitchFamily="18" charset="0"/>
-                <a:cs typeface="Times New Roman" panose="02020603050405020304" pitchFamily="18" charset="0"/>
-              </a:rPr>
-              <a:t>below.</a:t>
+              <a:t>The output screenshot and log are as below.</a:t>
             </a:r>
           </a:p>
           <a:p>
@@ -8575,7 +8901,7 @@
                 <a:latin typeface="Times New Roman" panose="02020603050405020304" pitchFamily="18" charset="0"/>
                 <a:cs typeface="Times New Roman" panose="02020603050405020304" pitchFamily="18" charset="0"/>
               </a:rPr>
-              <a:t>Airplane ON/OFF Mode Automation</a:t>
+              <a:t>Airplane ON/OFF Mode </a:t>
             </a:r>
             <a:r>
               <a:rPr lang="en-US" altLang="zh-TW" sz="2800" kern="0" dirty="0" smtClean="0">
@@ -8585,7 +8911,7 @@
                 <a:latin typeface="Times New Roman" panose="02020603050405020304" pitchFamily="18" charset="0"/>
                 <a:cs typeface="Times New Roman" panose="02020603050405020304" pitchFamily="18" charset="0"/>
               </a:rPr>
-              <a:t>(</a:t>
+              <a:t>Automation(</a:t>
             </a:r>
             <a:r>
               <a:rPr lang="en-US" altLang="zh-TW" sz="2800" kern="0" dirty="0" err="1" smtClean="0">
@@ -8886,14 +9212,7 @@
                 <a:latin typeface="Times New Roman" panose="02020603050405020304" pitchFamily="18" charset="0"/>
                 <a:cs typeface="Times New Roman" panose="02020603050405020304" pitchFamily="18" charset="0"/>
               </a:rPr>
-              <a:t>Block </a:t>
-            </a:r>
-            <a:r>
-              <a:rPr lang="en-US" altLang="zh-TW" sz="2000" dirty="0" smtClean="0">
-                <a:latin typeface="Times New Roman" panose="02020603050405020304" pitchFamily="18" charset="0"/>
-                <a:cs typeface="Times New Roman" panose="02020603050405020304" pitchFamily="18" charset="0"/>
-              </a:rPr>
-              <a:t>Diagram</a:t>
+              <a:t>Block Diagram</a:t>
             </a:r>
           </a:p>
           <a:p>
@@ -8940,7 +9259,7 @@
                 <a:latin typeface="Times New Roman" panose="02020603050405020304" pitchFamily="18" charset="0"/>
                 <a:cs typeface="Times New Roman" panose="02020603050405020304" pitchFamily="18" charset="0"/>
               </a:rPr>
-              <a:t>Airplane ON/OFF Mode Automation(Android</a:t>
+              <a:t>Airplane ON/OFF Mode </a:t>
             </a:r>
             <a:r>
               <a:rPr lang="en-US" altLang="zh-TW" sz="2800" kern="0" dirty="0" smtClean="0">
@@ -8950,7 +9269,17 @@
                 <a:latin typeface="Times New Roman" panose="02020603050405020304" pitchFamily="18" charset="0"/>
                 <a:cs typeface="Times New Roman" panose="02020603050405020304" pitchFamily="18" charset="0"/>
               </a:rPr>
-              <a:t>, OTG)</a:t>
+              <a:t>Automation(Android, OTG</a:t>
+            </a:r>
+            <a:r>
+              <a:rPr lang="en-US" altLang="zh-TW" sz="2800" kern="0" dirty="0" smtClean="0">
+                <a:solidFill>
+                  <a:srgbClr val="003366"/>
+                </a:solidFill>
+                <a:latin typeface="Times New Roman" panose="02020603050405020304" pitchFamily="18" charset="0"/>
+                <a:cs typeface="Times New Roman" panose="02020603050405020304" pitchFamily="18" charset="0"/>
+              </a:rPr>
+              <a:t>)</a:t>
             </a:r>
             <a:endParaRPr lang="zh-TW" altLang="en-US" sz="2800" kern="0" dirty="0">
               <a:solidFill>
@@ -9072,14 +9401,7 @@
                 <a:latin typeface="Times New Roman" panose="02020603050405020304" pitchFamily="18" charset="0"/>
                 <a:cs typeface="Times New Roman" panose="02020603050405020304" pitchFamily="18" charset="0"/>
               </a:rPr>
-              <a:t>The output screenshot and log </a:t>
-            </a:r>
-            <a:r>
-              <a:rPr lang="en-US" altLang="zh-TW" sz="2000" dirty="0" smtClean="0">
-                <a:latin typeface="Times New Roman" panose="02020603050405020304" pitchFamily="18" charset="0"/>
-                <a:cs typeface="Times New Roman" panose="02020603050405020304" pitchFamily="18" charset="0"/>
-              </a:rPr>
-              <a:t>are as below.</a:t>
+              <a:t>The output screenshot and log are as below.</a:t>
             </a:r>
           </a:p>
           <a:p>
@@ -9170,14 +9492,7 @@
                 <a:latin typeface="Times New Roman" panose="02020603050405020304" pitchFamily="18" charset="0"/>
                 <a:cs typeface="Times New Roman" panose="02020603050405020304" pitchFamily="18" charset="0"/>
               </a:rPr>
-              <a:t>(Wi-Fi OFF)		</a:t>
-            </a:r>
-            <a:r>
-              <a:rPr lang="en-US" altLang="zh-TW" sz="1800" dirty="0" smtClean="0">
-                <a:latin typeface="Times New Roman" panose="02020603050405020304" pitchFamily="18" charset="0"/>
-                <a:cs typeface="Times New Roman" panose="02020603050405020304" pitchFamily="18" charset="0"/>
-              </a:rPr>
-              <a:t>			</a:t>
+              <a:t>(Wi-Fi OFF)					</a:t>
             </a:r>
           </a:p>
           <a:p>
@@ -9234,7 +9549,7 @@
                 <a:latin typeface="Times New Roman" panose="02020603050405020304" pitchFamily="18" charset="0"/>
                 <a:cs typeface="Times New Roman" panose="02020603050405020304" pitchFamily="18" charset="0"/>
               </a:rPr>
-              <a:t>Automation(Android</a:t>
+              <a:t>Automation(Android, OTG</a:t>
             </a:r>
             <a:r>
               <a:rPr lang="en-US" altLang="zh-TW" sz="2800" kern="0" dirty="0">
@@ -9244,7 +9559,7 @@
                 <a:latin typeface="Times New Roman" panose="02020603050405020304" pitchFamily="18" charset="0"/>
                 <a:cs typeface="Times New Roman" panose="02020603050405020304" pitchFamily="18" charset="0"/>
               </a:rPr>
-              <a:t>, OTG)</a:t>
+              <a:t>)</a:t>
             </a:r>
             <a:endParaRPr lang="zh-TW" altLang="en-US" sz="2800" kern="0" dirty="0">
               <a:solidFill>
@@ -9543,14 +9858,7 @@
                 <a:latin typeface="Times New Roman" panose="02020603050405020304" pitchFamily="18" charset="0"/>
                 <a:cs typeface="Times New Roman" panose="02020603050405020304" pitchFamily="18" charset="0"/>
               </a:rPr>
-              <a:t> API under the windows environment</a:t>
-            </a:r>
-            <a:r>
-              <a:rPr lang="en-US" altLang="zh-TW" sz="2000" dirty="0" smtClean="0">
-                <a:latin typeface="Times New Roman" panose="02020603050405020304" pitchFamily="18" charset="0"/>
-                <a:cs typeface="Times New Roman" panose="02020603050405020304" pitchFamily="18" charset="0"/>
-              </a:rPr>
-              <a:t>.</a:t>
+              <a:t> API under the windows environment.</a:t>
             </a:r>
           </a:p>
         </p:txBody>
@@ -9586,7 +9894,7 @@
                 <a:latin typeface="Times New Roman" panose="02020603050405020304" pitchFamily="18" charset="0"/>
                 <a:cs typeface="Times New Roman" panose="02020603050405020304" pitchFamily="18" charset="0"/>
               </a:rPr>
-              <a:t>Airplane ON/OFF Mode Automation</a:t>
+              <a:t>Airplane ON/OFF Mode </a:t>
             </a:r>
             <a:r>
               <a:rPr lang="en-US" altLang="zh-TW" sz="2800" kern="0" dirty="0" smtClean="0">
@@ -9596,7 +9904,7 @@
                 <a:latin typeface="Times New Roman" panose="02020603050405020304" pitchFamily="18" charset="0"/>
                 <a:cs typeface="Times New Roman" panose="02020603050405020304" pitchFamily="18" charset="0"/>
               </a:rPr>
-              <a:t>(Windows</a:t>
+              <a:t>Automation(Windows</a:t>
             </a:r>
             <a:r>
               <a:rPr lang="en-US" altLang="zh-TW" sz="2800" kern="0" dirty="0">
@@ -9985,14 +10293,7 @@
                 <a:latin typeface="Times New Roman" panose="02020603050405020304" pitchFamily="18" charset="0"/>
                 <a:cs typeface="Times New Roman" panose="02020603050405020304" pitchFamily="18" charset="0"/>
               </a:rPr>
-              <a:t>The output screenshot and log as </a:t>
-            </a:r>
-            <a:r>
-              <a:rPr lang="en-US" altLang="zh-TW" sz="2000" dirty="0" smtClean="0">
-                <a:latin typeface="Times New Roman" panose="02020603050405020304" pitchFamily="18" charset="0"/>
-                <a:cs typeface="Times New Roman" panose="02020603050405020304" pitchFamily="18" charset="0"/>
-              </a:rPr>
-              <a:t>below.</a:t>
+              <a:t>The output screenshot and log as below.</a:t>
             </a:r>
           </a:p>
           <a:p>
@@ -10174,7 +10475,17 @@
                 <a:latin typeface="Times New Roman" panose="02020603050405020304" pitchFamily="18" charset="0"/>
                 <a:cs typeface="Times New Roman" panose="02020603050405020304" pitchFamily="18" charset="0"/>
               </a:rPr>
-              <a:t>Airplane </a:t>
+              <a:t>Airplane ON/OFF </a:t>
+            </a:r>
+            <a:r>
+              <a:rPr lang="en-US" altLang="zh-TW" sz="2800" kern="0" dirty="0">
+                <a:solidFill>
+                  <a:srgbClr val="003366"/>
+                </a:solidFill>
+                <a:latin typeface="Times New Roman" panose="02020603050405020304" pitchFamily="18" charset="0"/>
+                <a:cs typeface="Times New Roman" panose="02020603050405020304" pitchFamily="18" charset="0"/>
+              </a:rPr>
+              <a:t>M</a:t>
             </a:r>
             <a:r>
               <a:rPr lang="en-US" altLang="zh-TW" sz="2800" kern="0" dirty="0" smtClean="0">
@@ -10184,17 +10495,17 @@
                 <a:latin typeface="Times New Roman" panose="02020603050405020304" pitchFamily="18" charset="0"/>
                 <a:cs typeface="Times New Roman" panose="02020603050405020304" pitchFamily="18" charset="0"/>
               </a:rPr>
-              <a:t>ON/OFF </a:t>
-            </a:r>
-            <a:r>
-              <a:rPr lang="en-US" altLang="zh-TW" sz="2800" kern="0" dirty="0">
+              <a:t>ode </a:t>
+            </a:r>
+            <a:r>
+              <a:rPr lang="en-US" altLang="zh-TW" sz="2800" kern="0" dirty="0" smtClean="0">
                 <a:solidFill>
                   <a:srgbClr val="003366"/>
                 </a:solidFill>
                 <a:latin typeface="Times New Roman" panose="02020603050405020304" pitchFamily="18" charset="0"/>
                 <a:cs typeface="Times New Roman" panose="02020603050405020304" pitchFamily="18" charset="0"/>
               </a:rPr>
-              <a:t>M</a:t>
+              <a:t>Automation(Windows</a:t>
             </a:r>
             <a:r>
               <a:rPr lang="en-US" altLang="zh-TW" sz="2800" kern="0" dirty="0" smtClean="0">
@@ -10204,27 +10515,7 @@
                 <a:latin typeface="Times New Roman" panose="02020603050405020304" pitchFamily="18" charset="0"/>
                 <a:cs typeface="Times New Roman" panose="02020603050405020304" pitchFamily="18" charset="0"/>
               </a:rPr>
-              <a:t>ode </a:t>
-            </a:r>
-            <a:r>
-              <a:rPr lang="en-US" altLang="zh-TW" sz="2800" kern="0" dirty="0" smtClean="0">
-                <a:solidFill>
-                  <a:srgbClr val="003366"/>
-                </a:solidFill>
-                <a:latin typeface="Times New Roman" panose="02020603050405020304" pitchFamily="18" charset="0"/>
-                <a:cs typeface="Times New Roman" panose="02020603050405020304" pitchFamily="18" charset="0"/>
-              </a:rPr>
-              <a:t>A</a:t>
-            </a:r>
-            <a:r>
-              <a:rPr lang="en-US" altLang="zh-TW" sz="2800" kern="0" dirty="0" smtClean="0">
-                <a:solidFill>
-                  <a:srgbClr val="003366"/>
-                </a:solidFill>
-                <a:latin typeface="Times New Roman" panose="02020603050405020304" pitchFamily="18" charset="0"/>
-                <a:cs typeface="Times New Roman" panose="02020603050405020304" pitchFamily="18" charset="0"/>
-              </a:rPr>
-              <a:t>utomation(Windows)</a:t>
+              <a:t>)</a:t>
             </a:r>
             <a:endParaRPr lang="zh-TW" altLang="en-US" sz="2800" kern="0" dirty="0">
               <a:solidFill>
@@ -10314,94 +10605,6 @@
           </a:extLst>
         </p:spPr>
       </p:pic>
-      <p:sp>
-        <p:nvSpPr>
-          <p:cNvPr id="3" name="矩形 2"/>
-          <p:cNvSpPr/>
-          <p:nvPr/>
-        </p:nvSpPr>
-        <p:spPr>
-          <a:xfrm>
-            <a:off x="3390601" y="2659185"/>
-            <a:ext cx="321423" cy="248316"/>
-          </a:xfrm>
-          <a:prstGeom prst="rect">
-            <a:avLst/>
-          </a:prstGeom>
-          <a:noFill/>
-          <a:ln>
-            <a:solidFill>
-              <a:srgbClr val="FF0000"/>
-            </a:solidFill>
-          </a:ln>
-        </p:spPr>
-        <p:style>
-          <a:lnRef idx="2">
-            <a:schemeClr val="dk1"/>
-          </a:lnRef>
-          <a:fillRef idx="1">
-            <a:schemeClr val="lt1"/>
-          </a:fillRef>
-          <a:effectRef idx="0">
-            <a:schemeClr val="dk1"/>
-          </a:effectRef>
-          <a:fontRef idx="minor">
-            <a:schemeClr val="dk1"/>
-          </a:fontRef>
-        </p:style>
-        <p:txBody>
-          <a:bodyPr rtlCol="0" anchor="ctr"/>
-          <a:lstStyle/>
-          <a:p>
-            <a:pPr algn="ctr"/>
-            <a:endParaRPr lang="zh-TW" altLang="en-US"/>
-          </a:p>
-        </p:txBody>
-      </p:sp>
-      <p:sp>
-        <p:nvSpPr>
-          <p:cNvPr id="9" name="矩形 8"/>
-          <p:cNvSpPr/>
-          <p:nvPr/>
-        </p:nvSpPr>
-        <p:spPr>
-          <a:xfrm>
-            <a:off x="3381416" y="4447146"/>
-            <a:ext cx="321423" cy="319960"/>
-          </a:xfrm>
-          <a:prstGeom prst="rect">
-            <a:avLst/>
-          </a:prstGeom>
-          <a:noFill/>
-          <a:ln>
-            <a:solidFill>
-              <a:srgbClr val="FF0000"/>
-            </a:solidFill>
-          </a:ln>
-        </p:spPr>
-        <p:style>
-          <a:lnRef idx="2">
-            <a:schemeClr val="dk1"/>
-          </a:lnRef>
-          <a:fillRef idx="1">
-            <a:schemeClr val="lt1"/>
-          </a:fillRef>
-          <a:effectRef idx="0">
-            <a:schemeClr val="dk1"/>
-          </a:effectRef>
-          <a:fontRef idx="minor">
-            <a:schemeClr val="dk1"/>
-          </a:fontRef>
-        </p:style>
-        <p:txBody>
-          <a:bodyPr rtlCol="0" anchor="ctr"/>
-          <a:lstStyle/>
-          <a:p>
-            <a:pPr algn="ctr"/>
-            <a:endParaRPr lang="zh-TW" altLang="en-US"/>
-          </a:p>
-        </p:txBody>
-      </p:sp>
       <p:pic>
         <p:nvPicPr>
           <p:cNvPr id="8299" name="Picture 107"/>
@@ -10575,6 +10778,24 @@
               <a:defRPr/>
             </a:pPr>
             <a:r>
+              <a:rPr lang="en-US" altLang="zh-TW" sz="2000" dirty="0">
+                <a:latin typeface="Times New Roman" panose="02020603050405020304" pitchFamily="18" charset="0"/>
+                <a:cs typeface="Times New Roman" panose="02020603050405020304" pitchFamily="18" charset="0"/>
+              </a:rPr>
+              <a:t>Demand </a:t>
+            </a:r>
+            <a:endParaRPr lang="en-US" altLang="zh-TW" sz="2000" dirty="0" smtClean="0">
+              <a:latin typeface="Times New Roman" panose="02020603050405020304" pitchFamily="18" charset="0"/>
+              <a:cs typeface="Times New Roman" panose="02020603050405020304" pitchFamily="18" charset="0"/>
+            </a:endParaRPr>
+          </a:p>
+          <a:p>
+            <a:pPr marL="342900" lvl="1" indent="-342900" eaLnBrk="1" hangingPunct="1">
+              <a:buFont typeface="Arial" charset="0"/>
+              <a:buChar char="•"/>
+              <a:defRPr/>
+            </a:pPr>
+            <a:r>
               <a:rPr lang="en-US" altLang="zh-TW" sz="2000" dirty="0" smtClean="0">
                 <a:latin typeface="Times New Roman" panose="02020603050405020304" pitchFamily="18" charset="0"/>
                 <a:cs typeface="Times New Roman" panose="02020603050405020304" pitchFamily="18" charset="0"/>
@@ -10730,17 +10951,7 @@
                 <a:latin typeface="Times New Roman" panose="02020603050405020304" pitchFamily="18" charset="0"/>
                 <a:cs typeface="Times New Roman" panose="02020603050405020304" pitchFamily="18" charset="0"/>
               </a:rPr>
-              <a:t>Resolution </a:t>
-            </a:r>
-            <a:r>
-              <a:rPr lang="en-US" altLang="zh-TW" sz="2800" kern="0" dirty="0" smtClean="0">
-                <a:solidFill>
-                  <a:srgbClr val="003366"/>
-                </a:solidFill>
-                <a:latin typeface="Times New Roman" panose="02020603050405020304" pitchFamily="18" charset="0"/>
-                <a:cs typeface="Times New Roman" panose="02020603050405020304" pitchFamily="18" charset="0"/>
-              </a:rPr>
-              <a:t>Automation</a:t>
+              <a:t>Resolution Automation</a:t>
             </a:r>
             <a:endParaRPr lang="zh-TW" altLang="en-US" sz="2800" kern="0" dirty="0">
               <a:solidFill>
@@ -10775,8 +10986,8 @@
         </p:blipFill>
         <p:spPr bwMode="auto">
           <a:xfrm>
-            <a:off x="5227092" y="2343901"/>
-            <a:ext cx="3637130" cy="2416829"/>
+            <a:off x="5534331" y="2541412"/>
+            <a:ext cx="3346322" cy="2223591"/>
           </a:xfrm>
           <a:prstGeom prst="rect">
             <a:avLst/>
@@ -10885,6 +11096,24 @@
                 <a:latin typeface="Times New Roman" panose="02020603050405020304" pitchFamily="18" charset="0"/>
                 <a:cs typeface="Times New Roman" panose="02020603050405020304" pitchFamily="18" charset="0"/>
               </a:rPr>
+              <a:t>Demand </a:t>
+            </a:r>
+            <a:endParaRPr lang="en-US" altLang="zh-TW" sz="2000" dirty="0" smtClean="0">
+              <a:latin typeface="Times New Roman" panose="02020603050405020304" pitchFamily="18" charset="0"/>
+              <a:cs typeface="Times New Roman" panose="02020603050405020304" pitchFamily="18" charset="0"/>
+            </a:endParaRPr>
+          </a:p>
+          <a:p>
+            <a:pPr marL="342900" lvl="1" indent="-342900" eaLnBrk="1" hangingPunct="1">
+              <a:buFont typeface="Arial" charset="0"/>
+              <a:buChar char="•"/>
+              <a:defRPr/>
+            </a:pPr>
+            <a:r>
+              <a:rPr lang="en-US" altLang="zh-TW" sz="2000" dirty="0" smtClean="0">
+                <a:latin typeface="Times New Roman" panose="02020603050405020304" pitchFamily="18" charset="0"/>
+                <a:cs typeface="Times New Roman" panose="02020603050405020304" pitchFamily="18" charset="0"/>
+              </a:rPr>
               <a:t>Improvement</a:t>
             </a:r>
             <a:endParaRPr lang="en-US" altLang="zh-TW" sz="1800" dirty="0">
@@ -11103,10 +11332,6 @@
               </a:rPr>
               <a:t>Continuous Integration</a:t>
             </a:r>
-            <a:endParaRPr lang="en-US" altLang="zh-TW" sz="2000" dirty="0">
-              <a:latin typeface="Times New Roman" panose="02020603050405020304" pitchFamily="18" charset="0"/>
-              <a:cs typeface="Times New Roman" panose="02020603050405020304" pitchFamily="18" charset="0"/>
-            </a:endParaRPr>
           </a:p>
           <a:p>
             <a:pPr eaLnBrk="1" hangingPunct="1">
@@ -11238,40 +11463,22 @@
                 <a:latin typeface="Times New Roman" panose="02020603050405020304" pitchFamily="18" charset="0"/>
                 <a:cs typeface="Times New Roman" panose="02020603050405020304" pitchFamily="18" charset="0"/>
               </a:rPr>
-              <a:t>The </a:t>
+              <a:t>The tool </a:t>
+            </a:r>
+            <a:r>
+              <a:rPr lang="en-US" altLang="zh-TW" sz="2000" dirty="0">
+                <a:latin typeface="Times New Roman" panose="02020603050405020304" pitchFamily="18" charset="0"/>
+                <a:cs typeface="Times New Roman" panose="02020603050405020304" pitchFamily="18" charset="0"/>
+              </a:rPr>
+              <a:t>of pre-conditions </a:t>
             </a:r>
             <a:r>
               <a:rPr lang="en-US" altLang="zh-TW" sz="2000" dirty="0" smtClean="0">
                 <a:latin typeface="Times New Roman" panose="02020603050405020304" pitchFamily="18" charset="0"/>
                 <a:cs typeface="Times New Roman" panose="02020603050405020304" pitchFamily="18" charset="0"/>
               </a:rPr>
-              <a:t>tool </a:t>
-            </a:r>
-            <a:r>
-              <a:rPr lang="en-US" altLang="zh-TW" sz="2000" dirty="0">
-                <a:latin typeface="Times New Roman" panose="02020603050405020304" pitchFamily="18" charset="0"/>
-                <a:cs typeface="Times New Roman" panose="02020603050405020304" pitchFamily="18" charset="0"/>
-              </a:rPr>
-              <a:t>of pre-conditions </a:t>
-            </a:r>
-            <a:r>
-              <a:rPr lang="en-US" altLang="zh-TW" sz="2000" dirty="0" smtClean="0">
-                <a:latin typeface="Times New Roman" panose="02020603050405020304" pitchFamily="18" charset="0"/>
-                <a:cs typeface="Times New Roman" panose="02020603050405020304" pitchFamily="18" charset="0"/>
-              </a:rPr>
-              <a:t>base on the product specification</a:t>
-            </a:r>
-            <a:r>
-              <a:rPr lang="en-US" altLang="zh-TW" sz="2000" dirty="0" smtClean="0">
-                <a:latin typeface="Times New Roman" panose="02020603050405020304" pitchFamily="18" charset="0"/>
-                <a:cs typeface="Times New Roman" panose="02020603050405020304" pitchFamily="18" charset="0"/>
-              </a:rPr>
-              <a:t>.</a:t>
-            </a:r>
-            <a:endParaRPr lang="en-US" altLang="zh-TW" sz="2000" dirty="0" smtClean="0">
-              <a:latin typeface="Times New Roman" panose="02020603050405020304" pitchFamily="18" charset="0"/>
-              <a:cs typeface="Times New Roman" panose="02020603050405020304" pitchFamily="18" charset="0"/>
-            </a:endParaRPr>
+              <a:t>base on the product specification.</a:t>
+            </a:r>
           </a:p>
         </p:txBody>
       </p:sp>
@@ -11762,8 +11969,30 @@
                 <a:latin typeface="Times New Roman" panose="02020603050405020304" pitchFamily="18" charset="0"/>
                 <a:cs typeface="Times New Roman" panose="02020603050405020304" pitchFamily="18" charset="0"/>
               </a:rPr>
+              <a:t>Demand </a:t>
+            </a:r>
+            <a:endParaRPr lang="en-US" altLang="zh-TW" sz="2000" dirty="0" smtClean="0">
+              <a:latin typeface="Times New Roman" panose="02020603050405020304" pitchFamily="18" charset="0"/>
+              <a:cs typeface="Times New Roman" panose="02020603050405020304" pitchFamily="18" charset="0"/>
+            </a:endParaRPr>
+          </a:p>
+          <a:p>
+            <a:pPr marL="342900" lvl="1" indent="-342900" eaLnBrk="1" hangingPunct="1">
+              <a:buFont typeface="Arial" charset="0"/>
+              <a:buChar char="•"/>
+              <a:defRPr/>
+            </a:pPr>
+            <a:r>
+              <a:rPr lang="en-US" altLang="zh-TW" sz="2000" dirty="0" smtClean="0">
+                <a:latin typeface="Times New Roman" panose="02020603050405020304" pitchFamily="18" charset="0"/>
+                <a:cs typeface="Times New Roman" panose="02020603050405020304" pitchFamily="18" charset="0"/>
+              </a:rPr>
               <a:t>Improvement</a:t>
             </a:r>
+            <a:endParaRPr lang="en-US" altLang="zh-TW" sz="2000" dirty="0">
+              <a:latin typeface="Times New Roman" panose="02020603050405020304" pitchFamily="18" charset="0"/>
+              <a:cs typeface="Times New Roman" panose="02020603050405020304" pitchFamily="18" charset="0"/>
+            </a:endParaRPr>
           </a:p>
           <a:p>
             <a:pPr lvl="1" eaLnBrk="1" hangingPunct="1">
@@ -11829,12 +12058,15 @@
                 <a:latin typeface="Times New Roman" panose="02020603050405020304" pitchFamily="18" charset="0"/>
                 <a:cs typeface="Times New Roman" panose="02020603050405020304" pitchFamily="18" charset="0"/>
               </a:rPr>
-              <a:t>ystem installation. (UEFI 32 bits, UEFI 32 bits, Legacy 32bits)</a:t>
-            </a:r>
-            <a:endParaRPr lang="en-US" altLang="zh-TW" sz="2000" dirty="0">
-              <a:latin typeface="Times New Roman" panose="02020603050405020304" pitchFamily="18" charset="0"/>
-              <a:cs typeface="Times New Roman" panose="02020603050405020304" pitchFamily="18" charset="0"/>
-            </a:endParaRPr>
+              <a:t>ystem installation</a:t>
+            </a:r>
+            <a:r>
+              <a:rPr lang="en-US" altLang="zh-TW" sz="2000" dirty="0" smtClean="0">
+                <a:latin typeface="Times New Roman" panose="02020603050405020304" pitchFamily="18" charset="0"/>
+                <a:cs typeface="Times New Roman" panose="02020603050405020304" pitchFamily="18" charset="0"/>
+              </a:rPr>
+              <a:t>.</a:t>
+            </a:r>
           </a:p>
         </p:txBody>
       </p:sp>
@@ -11902,7 +12134,7 @@
         </p:blipFill>
         <p:spPr bwMode="auto">
           <a:xfrm>
-            <a:off x="887103" y="2511187"/>
+            <a:off x="879787" y="2752588"/>
             <a:ext cx="6052783" cy="1787857"/>
           </a:xfrm>
           <a:prstGeom prst="rect">
@@ -12059,17 +12291,7 @@
                 <a:latin typeface="Times New Roman" panose="02020603050405020304" pitchFamily="18" charset="0"/>
                 <a:cs typeface="Times New Roman" panose="02020603050405020304" pitchFamily="18" charset="0"/>
               </a:rPr>
-              <a:t>PXE automatic </a:t>
-            </a:r>
-            <a:r>
-              <a:rPr lang="en-US" altLang="zh-TW" sz="2800" kern="0" dirty="0" smtClean="0">
-                <a:solidFill>
-                  <a:srgbClr val="003366"/>
-                </a:solidFill>
-                <a:latin typeface="Times New Roman" panose="02020603050405020304" pitchFamily="18" charset="0"/>
-                <a:cs typeface="Times New Roman" panose="02020603050405020304" pitchFamily="18" charset="0"/>
-              </a:rPr>
-              <a:t>installation</a:t>
+              <a:t>PXE automatic installation</a:t>
             </a:r>
             <a:endParaRPr lang="zh-TW" altLang="en-US" sz="2800" kern="0" dirty="0">
               <a:solidFill>
@@ -12221,6 +12443,24 @@
             </a:pPr>
             <a:r>
               <a:rPr lang="en-US" altLang="zh-TW" sz="2000" dirty="0">
+                <a:latin typeface="Times New Roman" panose="02020603050405020304" pitchFamily="18" charset="0"/>
+                <a:cs typeface="Times New Roman" panose="02020603050405020304" pitchFamily="18" charset="0"/>
+              </a:rPr>
+              <a:t>Demand </a:t>
+            </a:r>
+            <a:endParaRPr lang="en-US" altLang="zh-TW" sz="2000" dirty="0" smtClean="0">
+              <a:latin typeface="Times New Roman" panose="02020603050405020304" pitchFamily="18" charset="0"/>
+              <a:cs typeface="Times New Roman" panose="02020603050405020304" pitchFamily="18" charset="0"/>
+            </a:endParaRPr>
+          </a:p>
+          <a:p>
+            <a:pPr marL="342900" lvl="1" indent="-342900" eaLnBrk="1" hangingPunct="1">
+              <a:buFont typeface="Arial" charset="0"/>
+              <a:buChar char="•"/>
+              <a:defRPr/>
+            </a:pPr>
+            <a:r>
+              <a:rPr lang="en-US" altLang="zh-TW" sz="2000" dirty="0" smtClean="0">
                 <a:latin typeface="Times New Roman" panose="02020603050405020304" pitchFamily="18" charset="0"/>
                 <a:cs typeface="Times New Roman" panose="02020603050405020304" pitchFamily="18" charset="0"/>
               </a:rPr>
@@ -14065,12 +14305,22 @@
                 <a:latin typeface="Times New Roman" panose="02020603050405020304" pitchFamily="18" charset="0"/>
                 <a:cs typeface="Times New Roman" panose="02020603050405020304" pitchFamily="18" charset="0"/>
               </a:rPr>
+              <a:t>Demand</a:t>
+            </a:r>
+          </a:p>
+          <a:p>
+            <a:pPr marL="342900" lvl="1" indent="-342900" eaLnBrk="1" hangingPunct="1">
+              <a:buFont typeface="Arial" charset="0"/>
+              <a:buChar char="•"/>
+              <a:defRPr/>
+            </a:pPr>
+            <a:r>
+              <a:rPr lang="en-US" altLang="zh-TW" sz="2000" dirty="0" smtClean="0">
+                <a:latin typeface="Times New Roman" panose="02020603050405020304" pitchFamily="18" charset="0"/>
+                <a:cs typeface="Times New Roman" panose="02020603050405020304" pitchFamily="18" charset="0"/>
+              </a:rPr>
               <a:t>Improvement</a:t>
             </a:r>
-            <a:endParaRPr lang="en-US" altLang="zh-TW" sz="1800" dirty="0" smtClean="0">
-              <a:latin typeface="Times New Roman" panose="02020603050405020304" pitchFamily="18" charset="0"/>
-              <a:cs typeface="Times New Roman" panose="02020603050405020304" pitchFamily="18" charset="0"/>
-            </a:endParaRPr>
           </a:p>
           <a:p>
             <a:pPr lvl="1" eaLnBrk="1" hangingPunct="1">
@@ -14079,7 +14329,7 @@
               <a:defRPr/>
             </a:pPr>
             <a:r>
-              <a:rPr lang="en-US" altLang="zh-TW" sz="1800" dirty="0" smtClean="0">
+              <a:rPr lang="en-US" altLang="zh-TW" sz="1800" dirty="0">
                 <a:latin typeface="Times New Roman" panose="02020603050405020304" pitchFamily="18" charset="0"/>
                 <a:cs typeface="Times New Roman" panose="02020603050405020304" pitchFamily="18" charset="0"/>
               </a:rPr>
@@ -14093,7 +14343,7 @@
               <a:defRPr/>
             </a:pPr>
             <a:r>
-              <a:rPr lang="en-US" altLang="zh-TW" sz="1800" dirty="0" smtClean="0">
+              <a:rPr lang="en-US" altLang="zh-TW" sz="1800" dirty="0">
                 <a:latin typeface="Times New Roman" panose="02020603050405020304" pitchFamily="18" charset="0"/>
                 <a:cs typeface="Times New Roman" panose="02020603050405020304" pitchFamily="18" charset="0"/>
               </a:rPr>
@@ -14107,11 +14357,11 @@
               <a:defRPr/>
             </a:pPr>
             <a:r>
-              <a:rPr lang="en-US" altLang="zh-TW" sz="1800" dirty="0" smtClean="0">
-                <a:latin typeface="Times New Roman" panose="02020603050405020304" pitchFamily="18" charset="0"/>
-                <a:cs typeface="Times New Roman" panose="02020603050405020304" pitchFamily="18" charset="0"/>
-              </a:rPr>
-              <a:t>Accurately to capture the ping logs.</a:t>
+              <a:rPr lang="en-US" altLang="zh-TW" sz="1800" dirty="0">
+                <a:latin typeface="Times New Roman" panose="02020603050405020304" pitchFamily="18" charset="0"/>
+                <a:cs typeface="Times New Roman" panose="02020603050405020304" pitchFamily="18" charset="0"/>
+              </a:rPr>
+              <a:t>Accurately to capture the ping logs</a:t>
             </a:r>
           </a:p>
           <a:p>
@@ -14121,57 +14371,68 @@
               <a:defRPr/>
             </a:pPr>
             <a:r>
+              <a:rPr lang="en-US" altLang="zh-TW" sz="1800" dirty="0">
+                <a:latin typeface="Times New Roman" panose="02020603050405020304" pitchFamily="18" charset="0"/>
+                <a:cs typeface="Times New Roman" panose="02020603050405020304" pitchFamily="18" charset="0"/>
+              </a:rPr>
+              <a:t>Execute the long-term load testing</a:t>
+            </a:r>
+            <a:r>
               <a:rPr lang="en-US" altLang="zh-TW" sz="1800" dirty="0" smtClean="0">
                 <a:latin typeface="Times New Roman" panose="02020603050405020304" pitchFamily="18" charset="0"/>
                 <a:cs typeface="Times New Roman" panose="02020603050405020304" pitchFamily="18" charset="0"/>
               </a:rPr>
-              <a:t>Execute the long-term load testing.</a:t>
-            </a:r>
-          </a:p>
-          <a:p>
-            <a:pPr lvl="2" eaLnBrk="1" hangingPunct="1">
+              <a:t>.</a:t>
+            </a:r>
+            <a:endParaRPr lang="en-US" altLang="zh-TW" sz="1800" dirty="0" smtClean="0">
+              <a:latin typeface="Times New Roman" panose="02020603050405020304" pitchFamily="18" charset="0"/>
+              <a:cs typeface="Times New Roman" panose="02020603050405020304" pitchFamily="18" charset="0"/>
+            </a:endParaRPr>
+          </a:p>
+          <a:p>
+            <a:pPr marL="342900" lvl="1" indent="-342900" eaLnBrk="1" hangingPunct="1">
+              <a:buFont typeface="Arial" charset="0"/>
+              <a:buChar char="•"/>
+              <a:defRPr/>
+            </a:pPr>
+            <a:r>
+              <a:rPr lang="en-US" altLang="zh-TW" sz="2000" dirty="0" smtClean="0">
+                <a:latin typeface="Times New Roman" panose="02020603050405020304" pitchFamily="18" charset="0"/>
+                <a:cs typeface="Times New Roman" panose="02020603050405020304" pitchFamily="18" charset="0"/>
+              </a:rPr>
+              <a:t>Statistics</a:t>
+            </a:r>
+            <a:endParaRPr lang="en-US" altLang="zh-TW" sz="2000" dirty="0" smtClean="0">
+              <a:latin typeface="Times New Roman" panose="02020603050405020304" pitchFamily="18" charset="0"/>
+              <a:cs typeface="Times New Roman" panose="02020603050405020304" pitchFamily="18" charset="0"/>
+            </a:endParaRPr>
+          </a:p>
+          <a:p>
+            <a:pPr lvl="1" eaLnBrk="1" hangingPunct="1">
               <a:buFont typeface="Wingdings" panose="05000000000000000000" pitchFamily="2" charset="2"/>
               <a:buChar char="Ø"/>
               <a:defRPr/>
             </a:pPr>
             <a:r>
-              <a:rPr lang="en-US" altLang="zh-TW" sz="1600" dirty="0" smtClean="0">
-                <a:latin typeface="Times New Roman" panose="02020603050405020304" pitchFamily="18" charset="0"/>
-                <a:cs typeface="Times New Roman" panose="02020603050405020304" pitchFamily="18" charset="0"/>
-              </a:rPr>
-              <a:t>Finished the </a:t>
-            </a:r>
-            <a:r>
-              <a:rPr lang="en-US" altLang="zh-TW" sz="1600" dirty="0" smtClean="0">
-                <a:latin typeface="Times New Roman" panose="02020603050405020304" pitchFamily="18" charset="0"/>
-                <a:cs typeface="Times New Roman" panose="02020603050405020304" pitchFamily="18" charset="0"/>
-              </a:rPr>
-              <a:t>ten times by roaming</a:t>
-            </a:r>
-            <a:endParaRPr lang="en-US" altLang="zh-TW" sz="1600" dirty="0">
-              <a:latin typeface="Times New Roman" panose="02020603050405020304" pitchFamily="18" charset="0"/>
-              <a:cs typeface="Times New Roman" panose="02020603050405020304" pitchFamily="18" charset="0"/>
-            </a:endParaRPr>
-          </a:p>
-          <a:p>
-            <a:pPr lvl="2" eaLnBrk="1" hangingPunct="1">
+              <a:rPr lang="en-US" altLang="zh-TW" sz="1800" dirty="0">
+                <a:latin typeface="Times New Roman" panose="02020603050405020304" pitchFamily="18" charset="0"/>
+                <a:cs typeface="Times New Roman" panose="02020603050405020304" pitchFamily="18" charset="0"/>
+              </a:rPr>
+              <a:t>Roaming Times: 10 Times</a:t>
+            </a:r>
+          </a:p>
+          <a:p>
+            <a:pPr lvl="1" eaLnBrk="1" hangingPunct="1">
               <a:buFont typeface="Wingdings" panose="05000000000000000000" pitchFamily="2" charset="2"/>
               <a:buChar char="Ø"/>
               <a:defRPr/>
             </a:pPr>
             <a:r>
-              <a:rPr lang="en-US" altLang="zh-TW" sz="1600" dirty="0">
-                <a:latin typeface="Times New Roman" panose="02020603050405020304" pitchFamily="18" charset="0"/>
-                <a:cs typeface="Times New Roman" panose="02020603050405020304" pitchFamily="18" charset="0"/>
-              </a:rPr>
-              <a:t>Digital </a:t>
-            </a:r>
-            <a:r>
-              <a:rPr lang="en-US" altLang="zh-TW" sz="1600" dirty="0">
-                <a:latin typeface="Times New Roman" panose="02020603050405020304" pitchFamily="18" charset="0"/>
-                <a:cs typeface="Times New Roman" panose="02020603050405020304" pitchFamily="18" charset="0"/>
-              </a:rPr>
-              <a:t>Attenuator</a:t>
+              <a:rPr lang="en-US" altLang="zh-TW" sz="1800" dirty="0">
+                <a:latin typeface="Times New Roman" panose="02020603050405020304" pitchFamily="18" charset="0"/>
+                <a:cs typeface="Times New Roman" panose="02020603050405020304" pitchFamily="18" charset="0"/>
+              </a:rPr>
+              <a:t>Digital Attenuator</a:t>
             </a:r>
           </a:p>
         </p:txBody>
@@ -14207,17 +14468,7 @@
                 <a:latin typeface="Times New Roman" panose="02020603050405020304" pitchFamily="18" charset="0"/>
                 <a:cs typeface="Times New Roman" panose="02020603050405020304" pitchFamily="18" charset="0"/>
               </a:rPr>
-              <a:t>Roaming </a:t>
-            </a:r>
-            <a:r>
-              <a:rPr lang="en-US" altLang="zh-TW" sz="2800" kern="0" dirty="0" smtClean="0">
-                <a:solidFill>
-                  <a:srgbClr val="003366"/>
-                </a:solidFill>
-                <a:latin typeface="Times New Roman" panose="02020603050405020304" pitchFamily="18" charset="0"/>
-                <a:cs typeface="Times New Roman" panose="02020603050405020304" pitchFamily="18" charset="0"/>
-              </a:rPr>
-              <a:t>Automation</a:t>
+              <a:t>Roaming Automation</a:t>
             </a:r>
             <a:endParaRPr lang="zh-TW" altLang="en-US" sz="2800" kern="0" dirty="0">
               <a:solidFill>
@@ -14355,17 +14606,7 @@
                 <a:latin typeface="Times New Roman" panose="02020603050405020304" pitchFamily="18" charset="0"/>
                 <a:cs typeface="Times New Roman" panose="02020603050405020304" pitchFamily="18" charset="0"/>
               </a:rPr>
-              <a:t>Roaming </a:t>
-            </a:r>
-            <a:r>
-              <a:rPr lang="en-US" altLang="zh-TW" sz="2800" kern="0" dirty="0" smtClean="0">
-                <a:solidFill>
-                  <a:srgbClr val="003366"/>
-                </a:solidFill>
-                <a:latin typeface="Times New Roman" panose="02020603050405020304" pitchFamily="18" charset="0"/>
-                <a:cs typeface="Times New Roman" panose="02020603050405020304" pitchFamily="18" charset="0"/>
-              </a:rPr>
-              <a:t>Automation</a:t>
+              <a:t>Roaming Automation</a:t>
             </a:r>
             <a:endParaRPr lang="zh-TW" altLang="en-US" sz="2800" kern="0" dirty="0">
               <a:solidFill>
@@ -14655,17 +14896,7 @@
                 <a:latin typeface="Times New Roman" panose="02020603050405020304" pitchFamily="18" charset="0"/>
                 <a:cs typeface="Times New Roman" panose="02020603050405020304" pitchFamily="18" charset="0"/>
               </a:rPr>
-              <a:t>Roaming </a:t>
-            </a:r>
-            <a:r>
-              <a:rPr lang="en-US" altLang="zh-TW" sz="2800" kern="0" dirty="0" smtClean="0">
-                <a:solidFill>
-                  <a:srgbClr val="003366"/>
-                </a:solidFill>
-                <a:latin typeface="Times New Roman" panose="02020603050405020304" pitchFamily="18" charset="0"/>
-                <a:cs typeface="Times New Roman" panose="02020603050405020304" pitchFamily="18" charset="0"/>
-              </a:rPr>
-              <a:t>Automation</a:t>
+              <a:t>Roaming Automation</a:t>
             </a:r>
             <a:endParaRPr lang="zh-TW" altLang="en-US" sz="2800" kern="0" dirty="0">
               <a:solidFill>
@@ -14906,7 +15137,21 @@
               <a:defRPr/>
             </a:pPr>
             <a:r>
-              <a:rPr lang="en-US" altLang="zh-TW" sz="2000" dirty="0">
+              <a:rPr lang="en-US" altLang="zh-TW" sz="2000" dirty="0" smtClean="0">
+                <a:latin typeface="Times New Roman" panose="02020603050405020304" pitchFamily="18" charset="0"/>
+                <a:cs typeface="Times New Roman" panose="02020603050405020304" pitchFamily="18" charset="0"/>
+              </a:rPr>
+              <a:t>Demand</a:t>
+            </a:r>
+          </a:p>
+          <a:p>
+            <a:pPr marL="342900" lvl="1" indent="-342900" eaLnBrk="1" hangingPunct="1">
+              <a:buFont typeface="Arial" charset="0"/>
+              <a:buChar char="•"/>
+              <a:defRPr/>
+            </a:pPr>
+            <a:r>
+              <a:rPr lang="en-US" altLang="zh-TW" sz="2000" dirty="0" smtClean="0">
                 <a:latin typeface="Times New Roman" panose="02020603050405020304" pitchFamily="18" charset="0"/>
                 <a:cs typeface="Times New Roman" panose="02020603050405020304" pitchFamily="18" charset="0"/>
               </a:rPr>
@@ -14935,7 +15180,21 @@
                 <a:latin typeface="Times New Roman" panose="02020603050405020304" pitchFamily="18" charset="0"/>
                 <a:cs typeface="Times New Roman" panose="02020603050405020304" pitchFamily="18" charset="0"/>
               </a:rPr>
-              <a:t>order to fine-tune the switch function of the [N Only] and [Legacy] based on Wi-Fi AP switch of 2.4G.</a:t>
+              <a:t>order to fine-tune the switch function of the </a:t>
+            </a:r>
+            <a:r>
+              <a:rPr lang="en-US" altLang="zh-TW" sz="1800" dirty="0" smtClean="0">
+                <a:latin typeface="Times New Roman" panose="02020603050405020304" pitchFamily="18" charset="0"/>
+                <a:cs typeface="Times New Roman" panose="02020603050405020304" pitchFamily="18" charset="0"/>
+              </a:rPr>
+              <a:t>[N </a:t>
+            </a:r>
+            <a:r>
+              <a:rPr lang="en-US" altLang="zh-TW" sz="1800" dirty="0">
+                <a:latin typeface="Times New Roman" panose="02020603050405020304" pitchFamily="18" charset="0"/>
+                <a:cs typeface="Times New Roman" panose="02020603050405020304" pitchFamily="18" charset="0"/>
+              </a:rPr>
+              <a:t>Only] and [Legacy] based on Wi-Fi AP switch of 2.4G.</a:t>
             </a:r>
           </a:p>
           <a:p>
@@ -15010,17 +15269,7 @@
                 <a:latin typeface="Times New Roman" panose="02020603050405020304" pitchFamily="18" charset="0"/>
                 <a:cs typeface="Times New Roman" panose="02020603050405020304" pitchFamily="18" charset="0"/>
               </a:rPr>
-              <a:t>Wi-Fi </a:t>
-            </a:r>
-            <a:r>
-              <a:rPr lang="en-US" altLang="zh-TW" sz="2800" kern="0" dirty="0" smtClean="0">
-                <a:solidFill>
-                  <a:srgbClr val="003366"/>
-                </a:solidFill>
-                <a:latin typeface="Times New Roman" panose="02020603050405020304" pitchFamily="18" charset="0"/>
-                <a:cs typeface="Times New Roman" panose="02020603050405020304" pitchFamily="18" charset="0"/>
-              </a:rPr>
-              <a:t>Frequency Switch Automation</a:t>
+              <a:t>Wi-Fi Frequency Switch Automation</a:t>
             </a:r>
             <a:endParaRPr lang="zh-TW" altLang="en-US" sz="2800" kern="0" dirty="0">
               <a:solidFill>
